--- a/Whiteboard design session/WDS trainer presentation - Enterprise-ready cloud.pptx
+++ b/Whiteboard design session/WDS trainer presentation - Enterprise-ready cloud.pptx
@@ -240,7 +240,7 @@
           <a:p>
             <a:fld id="{52A13B17-C506-4D51-BB37-16B365906619}" type="datetimeFigureOut">
               <a:rPr lang="en-US" smtClean="0"/>
-              <a:t>4/25/2019</a:t>
+              <a:t>8/19/19</a:t>
             </a:fld>
             <a:endParaRPr lang="en-US" dirty="0"/>
           </a:p>
@@ -610,6 +610,25 @@
               <a:t> are trademarks of the Microsoft group of companies. All other trademarks are property of their respective owners.</a:t>
             </a:r>
           </a:p>
+          <a:p>
+            <a:endParaRPr lang="en-US" sz="950" dirty="0">
+              <a:latin typeface="+mn-lt"/>
+              <a:cs typeface="Segoe UI" panose="020B0502040204020203" pitchFamily="34" charset="0"/>
+            </a:endParaRPr>
+          </a:p>
+          <a:p>
+            <a:r>
+              <a:rPr lang="en-US" sz="950">
+                <a:latin typeface="+mn-lt"/>
+                <a:cs typeface="Segoe UI" panose="020B0502040204020203" pitchFamily="34" charset="0"/>
+              </a:rPr>
+              <a:t>August 2019</a:t>
+            </a:r>
+            <a:endParaRPr lang="en-US" sz="950" dirty="0">
+              <a:latin typeface="+mn-lt"/>
+              <a:cs typeface="Segoe UI" panose="020B0502040204020203" pitchFamily="34" charset="0"/>
+            </a:endParaRPr>
+          </a:p>
         </p:txBody>
       </p:sp>
       <p:sp>
@@ -6635,7 +6654,7 @@
                   <a:prstClr val="black"/>
                 </a:solidFill>
               </a:rPr>
-              <a:t>4/25/2019 12:04 PM</a:t>
+              <a:t>8/19/19 3:28 PM</a:t>
             </a:fld>
             <a:endParaRPr lang="en-US" dirty="0">
               <a:solidFill>
@@ -7942,7 +7961,7 @@
       </p:transition>
     </mc:Fallback>
   </mc:AlternateContent>
-  <p:extLst mod="1">
+  <p:extLst>
     <p:ext uri="{DCECCB84-F9BA-43D5-87BE-67443E8EF086}">
       <p15:sldGuideLst xmlns:p15="http://schemas.microsoft.com/office/powerpoint/2012/main">
         <p15:guide id="1" pos="288">
@@ -18947,7 +18966,7 @@
       </a:lvl9pPr>
     </p:otherStyle>
   </p:txStyles>
-  <p:extLst mod="1">
+  <p:extLst>
     <p:ext uri="{27BBF7A9-308A-43DC-89C8-2F10F3537804}">
       <p15:sldGuideLst xmlns:p15="http://schemas.microsoft.com/office/powerpoint/2012/main">
         <p15:guide id="1" orient="horz" pos="187">
@@ -19562,7 +19581,7 @@
       </a:lvl9pPr>
     </p:otherStyle>
   </p:txStyles>
-  <p:extLst mod="1">
+  <p:extLst>
     <p:ext uri="{27BBF7A9-308A-43DC-89C8-2F10F3537804}">
       <p15:sldGuideLst xmlns:p15="http://schemas.microsoft.com/office/powerpoint/2012/main">
         <p15:guide id="1" orient="horz" pos="187">

--- a/Whiteboard design session/WDS trainer presentation - Enterprise-ready cloud.pptx
+++ b/Whiteboard design session/WDS trainer presentation - Enterprise-ready cloud.pptx
@@ -240,7 +240,7 @@
           <a:p>
             <a:fld id="{52A13B17-C506-4D51-BB37-16B365906619}" type="datetimeFigureOut">
               <a:rPr lang="en-US" smtClean="0"/>
-              <a:t>8/19/19</a:t>
+              <a:t>4/2/20</a:t>
             </a:fld>
             <a:endParaRPr lang="en-US" dirty="0"/>
           </a:p>
@@ -622,7 +622,7 @@
                 <a:latin typeface="+mn-lt"/>
                 <a:cs typeface="Segoe UI" panose="020B0502040204020203" pitchFamily="34" charset="0"/>
               </a:rPr>
-              <a:t>August 2019</a:t>
+              <a:t>March 2020</a:t>
             </a:r>
             <a:endParaRPr lang="en-US" sz="950" dirty="0">
               <a:latin typeface="+mn-lt"/>
@@ -2093,55 +2093,7 @@
                 <a:ea typeface="+mn-ea"/>
                 <a:cs typeface="+mn-cs"/>
               </a:rPr>
-              <a:t>- Azure Cost Management by </a:t>
-            </a:r>
-            <a:r>
-              <a:rPr lang="en-US" sz="1200" b="0" kern="1200" dirty="0" err="1">
-                <a:solidFill>
-                  <a:schemeClr val="tx1"/>
-                </a:solidFill>
-                <a:effectLst/>
-                <a:latin typeface="+mn-lt"/>
-                <a:ea typeface="+mn-ea"/>
-                <a:cs typeface="+mn-cs"/>
-              </a:rPr>
-              <a:t>Cloudyn</a:t>
-            </a:r>
-            <a:r>
-              <a:rPr lang="en-US" sz="1200" b="0" kern="1200" dirty="0">
-                <a:solidFill>
-                  <a:schemeClr val="tx1"/>
-                </a:solidFill>
-                <a:effectLst/>
-                <a:latin typeface="+mn-lt"/>
-                <a:ea typeface="+mn-ea"/>
-                <a:cs typeface="+mn-cs"/>
-              </a:rPr>
-              <a:t> uses a hierarchy defined within the </a:t>
-            </a:r>
-            <a:r>
-              <a:rPr lang="en-US" sz="1200" b="0" kern="1200" dirty="0" err="1">
-                <a:solidFill>
-                  <a:schemeClr val="tx1"/>
-                </a:solidFill>
-                <a:effectLst/>
-                <a:latin typeface="+mn-lt"/>
-                <a:ea typeface="+mn-ea"/>
-                <a:cs typeface="+mn-cs"/>
-              </a:rPr>
-              <a:t>Cloudyn</a:t>
-            </a:r>
-            <a:r>
-              <a:rPr lang="en-US" sz="1200" b="0" kern="1200" dirty="0">
-                <a:solidFill>
-                  <a:schemeClr val="tx1"/>
-                </a:solidFill>
-                <a:effectLst/>
-                <a:latin typeface="+mn-lt"/>
-                <a:ea typeface="+mn-ea"/>
-                <a:cs typeface="+mn-cs"/>
-              </a:rPr>
-              <a:t> tool</a:t>
+              <a:t>- Azure Cost Management by Cloudyn uses a hierarchy defined within the Cloudyn tool</a:t>
             </a:r>
           </a:p>
           <a:p>
@@ -2688,10 +2640,12 @@
                 <a:ea typeface="+mn-ea"/>
                 <a:cs typeface="+mn-cs"/>
               </a:rPr>
-              <a:t>- Every resource group must have an '</a:t>
-            </a:r>
-            <a:r>
-              <a:rPr lang="en-US" sz="1200" b="0" kern="1200" dirty="0" err="1">
+              <a:t>- Every resource group must have an 'IOCode' tag</a:t>
+            </a:r>
+          </a:p>
+          <a:p>
+            <a:r>
+              <a:rPr lang="en-US" sz="1200" b="0" kern="1200" dirty="0">
                 <a:solidFill>
                   <a:schemeClr val="tx1"/>
                 </a:solidFill>
@@ -2700,8 +2654,10 @@
                 <a:ea typeface="+mn-ea"/>
                 <a:cs typeface="+mn-cs"/>
               </a:rPr>
-              <a:t>IOCode</a:t>
-            </a:r>
+              <a:t>- Every time a resource is created, it is assigned an 'IOCode' tag with a value matching its resource group</a:t>
+            </a:r>
+          </a:p>
+          <a:p>
             <a:r>
               <a:rPr lang="en-US" sz="1200" b="0" kern="1200" dirty="0">
                 <a:solidFill>
@@ -2712,83 +2668,7 @@
                 <a:ea typeface="+mn-ea"/>
                 <a:cs typeface="+mn-cs"/>
               </a:rPr>
-              <a:t>' tag</a:t>
-            </a:r>
-          </a:p>
-          <a:p>
-            <a:r>
-              <a:rPr lang="en-US" sz="1200" b="0" kern="1200" dirty="0">
-                <a:solidFill>
-                  <a:schemeClr val="tx1"/>
-                </a:solidFill>
-                <a:effectLst/>
-                <a:latin typeface="+mn-lt"/>
-                <a:ea typeface="+mn-ea"/>
-                <a:cs typeface="+mn-cs"/>
-              </a:rPr>
-              <a:t>- Every time a resource is created, it is assigned an '</a:t>
-            </a:r>
-            <a:r>
-              <a:rPr lang="en-US" sz="1200" b="0" kern="1200" dirty="0" err="1">
-                <a:solidFill>
-                  <a:schemeClr val="tx1"/>
-                </a:solidFill>
-                <a:effectLst/>
-                <a:latin typeface="+mn-lt"/>
-                <a:ea typeface="+mn-ea"/>
-                <a:cs typeface="+mn-cs"/>
-              </a:rPr>
-              <a:t>IOCode</a:t>
-            </a:r>
-            <a:r>
-              <a:rPr lang="en-US" sz="1200" b="0" kern="1200" dirty="0">
-                <a:solidFill>
-                  <a:schemeClr val="tx1"/>
-                </a:solidFill>
-                <a:effectLst/>
-                <a:latin typeface="+mn-lt"/>
-                <a:ea typeface="+mn-ea"/>
-                <a:cs typeface="+mn-cs"/>
-              </a:rPr>
-              <a:t>' tag with a value matching its resource group</a:t>
-            </a:r>
-          </a:p>
-          <a:p>
-            <a:r>
-              <a:rPr lang="en-US" sz="1200" b="0" kern="1200" dirty="0">
-                <a:solidFill>
-                  <a:schemeClr val="tx1"/>
-                </a:solidFill>
-                <a:effectLst/>
-                <a:latin typeface="+mn-lt"/>
-                <a:ea typeface="+mn-ea"/>
-                <a:cs typeface="+mn-cs"/>
-              </a:rPr>
-              <a:t>- Any resource whose '</a:t>
-            </a:r>
-            <a:r>
-              <a:rPr lang="en-US" sz="1200" b="0" kern="1200" dirty="0" err="1">
-                <a:solidFill>
-                  <a:schemeClr val="tx1"/>
-                </a:solidFill>
-                <a:effectLst/>
-                <a:latin typeface="+mn-lt"/>
-                <a:ea typeface="+mn-ea"/>
-                <a:cs typeface="+mn-cs"/>
-              </a:rPr>
-              <a:t>IOCode</a:t>
-            </a:r>
-            <a:r>
-              <a:rPr lang="en-US" sz="1200" b="0" kern="1200" dirty="0">
-                <a:solidFill>
-                  <a:schemeClr val="tx1"/>
-                </a:solidFill>
-                <a:effectLst/>
-                <a:latin typeface="+mn-lt"/>
-                <a:ea typeface="+mn-ea"/>
-                <a:cs typeface="+mn-cs"/>
-              </a:rPr>
-              <a:t>' tag is missing or does not match its corresponding resource group tag (for example, after moving the resource between resource groups) can be easily identified. Child resources, for which tags to not apply, are excluded.</a:t>
+              <a:t>- Any resource whose 'IOCode' tag is missing or does not match its corresponding resource group tag (for example, after moving the resource between resource groups) can be easily identified. Child resources, for which tags to not apply, are excluded.</a:t>
             </a:r>
           </a:p>
           <a:p>
@@ -2836,31 +2716,7 @@
                 <a:ea typeface="+mn-ea"/>
                 <a:cs typeface="+mn-cs"/>
               </a:rPr>
-              <a:t>The </a:t>
-            </a:r>
-            <a:r>
-              <a:rPr lang="en-US" sz="1200" b="0" kern="1200" dirty="0" err="1">
-                <a:solidFill>
-                  <a:schemeClr val="tx1"/>
-                </a:solidFill>
-                <a:effectLst/>
-                <a:latin typeface="+mn-lt"/>
-                <a:ea typeface="+mn-ea"/>
-                <a:cs typeface="+mn-cs"/>
-              </a:rPr>
-              <a:t>IOCode</a:t>
-            </a:r>
-            <a:r>
-              <a:rPr lang="en-US" sz="1200" b="0" kern="1200" dirty="0">
-                <a:solidFill>
-                  <a:schemeClr val="tx1"/>
-                </a:solidFill>
-                <a:effectLst/>
-                <a:latin typeface="+mn-lt"/>
-                <a:ea typeface="+mn-ea"/>
-                <a:cs typeface="+mn-cs"/>
-              </a:rPr>
-              <a:t> tag will be implemented using three separate Azure policy definitions. </a:t>
+              <a:t>The IOCode tag will be implemented using three separate Azure policy definitions. </a:t>
             </a:r>
           </a:p>
           <a:p>
@@ -2885,31 +2741,7 @@
                 <a:ea typeface="+mn-ea"/>
                 <a:cs typeface="+mn-cs"/>
               </a:rPr>
-              <a:t>The first policy requires that all resource groups are assigned the '</a:t>
-            </a:r>
-            <a:r>
-              <a:rPr lang="en-US" sz="1200" b="0" kern="1200" dirty="0" err="1">
-                <a:solidFill>
-                  <a:schemeClr val="tx1"/>
-                </a:solidFill>
-                <a:effectLst/>
-                <a:latin typeface="+mn-lt"/>
-                <a:ea typeface="+mn-ea"/>
-                <a:cs typeface="+mn-cs"/>
-              </a:rPr>
-              <a:t>IOCode</a:t>
-            </a:r>
-            <a:r>
-              <a:rPr lang="en-US" sz="1200" b="0" kern="1200" dirty="0">
-                <a:solidFill>
-                  <a:schemeClr val="tx1"/>
-                </a:solidFill>
-                <a:effectLst/>
-                <a:latin typeface="+mn-lt"/>
-                <a:ea typeface="+mn-ea"/>
-                <a:cs typeface="+mn-cs"/>
-              </a:rPr>
-              <a:t>' tag. The built-in policy </a:t>
+              <a:t>The first policy requires that all resource groups are assigned the 'IOCode' tag. The built-in policy </a:t>
             </a:r>
             <a:r>
               <a:rPr lang="en-US" sz="1200" b="1" kern="1200" dirty="0">
@@ -2958,31 +2790,7 @@
                 <a:ea typeface="+mn-ea"/>
                 <a:cs typeface="+mn-cs"/>
               </a:rPr>
-              <a:t>Note: This policy will require that all resource groups specify the </a:t>
-            </a:r>
-            <a:r>
-              <a:rPr lang="en-US" sz="1200" b="0" kern="1200" dirty="0" err="1">
-                <a:solidFill>
-                  <a:schemeClr val="tx1"/>
-                </a:solidFill>
-                <a:effectLst/>
-                <a:latin typeface="+mn-lt"/>
-                <a:ea typeface="+mn-ea"/>
-                <a:cs typeface="+mn-cs"/>
-              </a:rPr>
-              <a:t>IOCode</a:t>
-            </a:r>
-            <a:r>
-              <a:rPr lang="en-US" sz="1200" b="0" kern="1200" dirty="0">
-                <a:solidFill>
-                  <a:schemeClr val="tx1"/>
-                </a:solidFill>
-                <a:effectLst/>
-                <a:latin typeface="+mn-lt"/>
-                <a:ea typeface="+mn-ea"/>
-                <a:cs typeface="+mn-cs"/>
-              </a:rPr>
-              <a:t> tag </a:t>
+              <a:t>Note: This policy will require that all resource groups specify the IOCode tag </a:t>
             </a:r>
             <a:r>
               <a:rPr lang="en-US" sz="1200" b="0" i="1" kern="1200" dirty="0">
@@ -3031,55 +2839,7 @@
                 <a:ea typeface="+mn-ea"/>
                 <a:cs typeface="+mn-cs"/>
               </a:rPr>
-              <a:t>The second policy requires that each resource is assigned an '</a:t>
-            </a:r>
-            <a:r>
-              <a:rPr lang="en-US" sz="1200" b="0" kern="1200" dirty="0" err="1">
-                <a:solidFill>
-                  <a:schemeClr val="tx1"/>
-                </a:solidFill>
-                <a:effectLst/>
-                <a:latin typeface="+mn-lt"/>
-                <a:ea typeface="+mn-ea"/>
-                <a:cs typeface="+mn-cs"/>
-              </a:rPr>
-              <a:t>IOCode</a:t>
-            </a:r>
-            <a:r>
-              <a:rPr lang="en-US" sz="1200" b="0" kern="1200" dirty="0">
-                <a:solidFill>
-                  <a:schemeClr val="tx1"/>
-                </a:solidFill>
-                <a:effectLst/>
-                <a:latin typeface="+mn-lt"/>
-                <a:ea typeface="+mn-ea"/>
-                <a:cs typeface="+mn-cs"/>
-              </a:rPr>
-              <a:t>' tag upon creation. If the '</a:t>
-            </a:r>
-            <a:r>
-              <a:rPr lang="en-US" sz="1200" b="0" kern="1200" dirty="0" err="1">
-                <a:solidFill>
-                  <a:schemeClr val="tx1"/>
-                </a:solidFill>
-                <a:effectLst/>
-                <a:latin typeface="+mn-lt"/>
-                <a:ea typeface="+mn-ea"/>
-                <a:cs typeface="+mn-cs"/>
-              </a:rPr>
-              <a:t>IOCode</a:t>
-            </a:r>
-            <a:r>
-              <a:rPr lang="en-US" sz="1200" b="0" kern="1200" dirty="0">
-                <a:solidFill>
-                  <a:schemeClr val="tx1"/>
-                </a:solidFill>
-                <a:effectLst/>
-                <a:latin typeface="+mn-lt"/>
-                <a:ea typeface="+mn-ea"/>
-                <a:cs typeface="+mn-cs"/>
-              </a:rPr>
-              <a:t>' tag is missing, then it is added automatically, using the value from the corresponding resource group tag. The built-in policy </a:t>
+              <a:t>The second policy requires that each resource is assigned an 'IOCode' tag upon creation. If the 'IOCode' tag is missing, then it is added automatically, using the value from the corresponding resource group tag. The built-in policy </a:t>
             </a:r>
             <a:r>
               <a:rPr lang="en-US" sz="1200" b="1" kern="1200" dirty="0">
@@ -3128,79 +2888,7 @@
                 <a:ea typeface="+mn-ea"/>
                 <a:cs typeface="+mn-cs"/>
               </a:rPr>
-              <a:t>The above policy does not enforce that the </a:t>
-            </a:r>
-            <a:r>
-              <a:rPr lang="en-US" sz="1200" b="0" kern="1200" dirty="0" err="1">
-                <a:solidFill>
-                  <a:schemeClr val="tx1"/>
-                </a:solidFill>
-                <a:effectLst/>
-                <a:latin typeface="+mn-lt"/>
-                <a:ea typeface="+mn-ea"/>
-                <a:cs typeface="+mn-cs"/>
-              </a:rPr>
-              <a:t>IOCode</a:t>
-            </a:r>
-            <a:r>
-              <a:rPr lang="en-US" sz="1200" b="0" kern="1200" dirty="0">
-                <a:solidFill>
-                  <a:schemeClr val="tx1"/>
-                </a:solidFill>
-                <a:effectLst/>
-                <a:latin typeface="+mn-lt"/>
-                <a:ea typeface="+mn-ea"/>
-                <a:cs typeface="+mn-cs"/>
-              </a:rPr>
-              <a:t> tag, if present when the resource is created, matches the </a:t>
-            </a:r>
-            <a:r>
-              <a:rPr lang="en-US" sz="1200" b="0" kern="1200" dirty="0" err="1">
-                <a:solidFill>
-                  <a:schemeClr val="tx1"/>
-                </a:solidFill>
-                <a:effectLst/>
-                <a:latin typeface="+mn-lt"/>
-                <a:ea typeface="+mn-ea"/>
-                <a:cs typeface="+mn-cs"/>
-              </a:rPr>
-              <a:t>IOCode</a:t>
-            </a:r>
-            <a:r>
-              <a:rPr lang="en-US" sz="1200" b="0" kern="1200" dirty="0">
-                <a:solidFill>
-                  <a:schemeClr val="tx1"/>
-                </a:solidFill>
-                <a:effectLst/>
-                <a:latin typeface="+mn-lt"/>
-                <a:ea typeface="+mn-ea"/>
-                <a:cs typeface="+mn-cs"/>
-              </a:rPr>
-              <a:t> tag of the resource group. This case will be audited by our third policy. However, this policy could be used a basis for a custom policy which does enforce that the </a:t>
-            </a:r>
-            <a:r>
-              <a:rPr lang="en-US" sz="1200" b="0" kern="1200" dirty="0" err="1">
-                <a:solidFill>
-                  <a:schemeClr val="tx1"/>
-                </a:solidFill>
-                <a:effectLst/>
-                <a:latin typeface="+mn-lt"/>
-                <a:ea typeface="+mn-ea"/>
-                <a:cs typeface="+mn-cs"/>
-              </a:rPr>
-              <a:t>IOCodes</a:t>
-            </a:r>
-            <a:r>
-              <a:rPr lang="en-US" sz="1200" b="0" kern="1200" dirty="0">
-                <a:solidFill>
-                  <a:schemeClr val="tx1"/>
-                </a:solidFill>
-                <a:effectLst/>
-                <a:latin typeface="+mn-lt"/>
-                <a:ea typeface="+mn-ea"/>
-                <a:cs typeface="+mn-cs"/>
-              </a:rPr>
-              <a:t> on the resource and resource group match.</a:t>
+              <a:t>The above policy does not enforce that the IOCode tag, if present when the resource is created, matches the IOCode tag of the resource group. This case will be audited by our third policy. However, this policy could be used a basis for a custom policy which does enforce that the IOCodes on the resource and resource group match.</a:t>
             </a:r>
           </a:p>
           <a:p>
@@ -3225,31 +2913,7 @@
                 <a:ea typeface="+mn-ea"/>
                 <a:cs typeface="+mn-cs"/>
               </a:rPr>
-              <a:t>The third policy audits that the </a:t>
-            </a:r>
-            <a:r>
-              <a:rPr lang="en-US" sz="1200" b="0" kern="1200" dirty="0" err="1">
-                <a:solidFill>
-                  <a:schemeClr val="tx1"/>
-                </a:solidFill>
-                <a:effectLst/>
-                <a:latin typeface="+mn-lt"/>
-                <a:ea typeface="+mn-ea"/>
-                <a:cs typeface="+mn-cs"/>
-              </a:rPr>
-              <a:t>IOCode</a:t>
-            </a:r>
-            <a:r>
-              <a:rPr lang="en-US" sz="1200" b="0" kern="1200" dirty="0">
-                <a:solidFill>
-                  <a:schemeClr val="tx1"/>
-                </a:solidFill>
-                <a:effectLst/>
-                <a:latin typeface="+mn-lt"/>
-                <a:ea typeface="+mn-ea"/>
-                <a:cs typeface="+mn-cs"/>
-              </a:rPr>
-              <a:t> tag is present on all resources, and that its value matches the value of the corresponding resource group tag. As with the previous rule, '"mode": "indexed"' is used to avoid creating false audit reports for child resource types. In this case, a custom definition is required.</a:t>
+              <a:t>The third policy audits that the IOCode tag is present on all resources, and that its value matches the value of the corresponding resource group tag. As with the previous rule, '"mode": "indexed"' is used to avoid creating false audit reports for child resource types. In this case, a custom definition is required.</a:t>
             </a:r>
           </a:p>
           <a:p>
@@ -5876,31 +5540,7 @@
                 <a:ea typeface="+mn-ea"/>
                 <a:cs typeface="+mn-cs"/>
               </a:rPr>
-              <a:t> Azure subscriptions should be grouped into a management group hierarchy. The root of this hierarchy is the tenant root management group. Under this root, a tree of </a:t>
-            </a:r>
-            <a:r>
-              <a:rPr lang="en-US" sz="1200" b="0" kern="1200" dirty="0" err="1">
-                <a:solidFill>
-                  <a:schemeClr val="tx1"/>
-                </a:solidFill>
-                <a:effectLst/>
-                <a:latin typeface="+mn-lt"/>
-                <a:ea typeface="+mn-ea"/>
-                <a:cs typeface="+mn-cs"/>
-              </a:rPr>
-              <a:t>managemnet</a:t>
-            </a:r>
-            <a:r>
-              <a:rPr lang="en-US" sz="1200" b="0" kern="1200" dirty="0">
-                <a:solidFill>
-                  <a:schemeClr val="tx1"/>
-                </a:solidFill>
-                <a:effectLst/>
-                <a:latin typeface="+mn-lt"/>
-                <a:ea typeface="+mn-ea"/>
-                <a:cs typeface="+mn-cs"/>
-              </a:rPr>
-              <a:t> groups can be implemented to represent the business units and subunits within the organization. Each Azure subscription is then assigned to a management group node within this tree.</a:t>
+              <a:t> Azure subscriptions should be grouped into a management group hierarchy. The root of this hierarchy is the tenant root management group. Under this root, a tree of management groups can be implemented to represent the business units and subunits within the organization. Each Azure subscription is then assigned to a management group node within this tree.</a:t>
             </a:r>
           </a:p>
           <a:p>
@@ -6398,31 +6038,7 @@
                 <a:ea typeface="+mn-ea"/>
                 <a:cs typeface="+mn-cs"/>
               </a:rPr>
-              <a:t> DevTest labs, auto-VM shutdown, and the start-stop VM marketplace solution, all offer the ability to automatically shut down VMs. Azure Cost Management (by </a:t>
-            </a:r>
-            <a:r>
-              <a:rPr lang="en-US" sz="1200" b="0" kern="1200" dirty="0" err="1">
-                <a:solidFill>
-                  <a:schemeClr val="tx1"/>
-                </a:solidFill>
-                <a:effectLst/>
-                <a:latin typeface="+mn-lt"/>
-                <a:ea typeface="+mn-ea"/>
-                <a:cs typeface="+mn-cs"/>
-              </a:rPr>
-              <a:t>Cloudyn</a:t>
-            </a:r>
-            <a:r>
-              <a:rPr lang="en-US" sz="1200" b="0" kern="1200" dirty="0">
-                <a:solidFill>
-                  <a:schemeClr val="tx1"/>
-                </a:solidFill>
-                <a:effectLst/>
-                <a:latin typeface="+mn-lt"/>
-                <a:ea typeface="+mn-ea"/>
-                <a:cs typeface="+mn-cs"/>
-              </a:rPr>
-              <a:t>) provides additional reports to identify idle VMs and to right-size underutilized VMs.</a:t>
+              <a:t> DevTest labs, auto-VM shutdown, and the start-stop VM marketplace solution, all offer the ability to automatically shut down VMs. Azure Cost Management (by Cloudyn) provides additional reports to identify idle VMs and to right-size underutilized VMs.</a:t>
             </a:r>
           </a:p>
         </p:txBody>
@@ -6654,7 +6270,7 @@
                   <a:prstClr val="black"/>
                 </a:solidFill>
               </a:rPr>
-              <a:t>8/19/19 3:28 PM</a:t>
+              <a:t>4/2/20 3:02 PM</a:t>
             </a:fld>
             <a:endParaRPr lang="en-US" dirty="0">
               <a:solidFill>
@@ -21426,7 +21042,7 @@
                   <a:tabLst/>
                   <a:defRPr/>
                 </a:pPr>
-                <a:endParaRPr kumimoji="0" lang="en-US" sz="1345" b="0" i="0" u="none" strike="noStrike" kern="0" cap="none" spc="0" normalizeH="0" baseline="0" noProof="0">
+                <a:endParaRPr kumimoji="0" lang="en-US" sz="1345" b="0" i="0" u="none" strike="noStrike" kern="0" cap="none" spc="0" normalizeH="0" baseline="0" noProof="0" dirty="0">
                   <a:ln>
                     <a:noFill/>
                   </a:ln>
@@ -21507,7 +21123,7 @@
                   <a:defRPr/>
                 </a:pPr>
                 <a:r>
-                  <a:rPr kumimoji="0" lang="en-US" sz="1345" b="0" i="0" u="none" strike="noStrike" kern="0" cap="none" spc="0" normalizeH="0" baseline="0" noProof="0">
+                  <a:rPr kumimoji="0" lang="en-US" sz="1345" b="0" i="0" u="none" strike="noStrike" kern="0" cap="none" spc="0" normalizeH="0" baseline="0" noProof="0" dirty="0">
                     <a:ln>
                       <a:noFill/>
                     </a:ln>
@@ -21610,7 +21226,7 @@
                   <a:tabLst/>
                   <a:defRPr/>
                 </a:pPr>
-                <a:endParaRPr kumimoji="0" lang="en-US" sz="1345" b="0" i="0" u="none" strike="noStrike" kern="0" cap="none" spc="0" normalizeH="0" baseline="0" noProof="0">
+                <a:endParaRPr kumimoji="0" lang="en-US" sz="1345" b="0" i="0" u="none" strike="noStrike" kern="0" cap="none" spc="0" normalizeH="0" baseline="0" noProof="0" dirty="0">
                   <a:ln>
                     <a:noFill/>
                   </a:ln>
@@ -21794,7 +21410,7 @@
                   <a:tabLst/>
                   <a:defRPr/>
                 </a:pPr>
-                <a:endParaRPr kumimoji="0" lang="en-US" sz="1345" b="0" i="0" u="none" strike="noStrike" kern="0" cap="none" spc="0" normalizeH="0" baseline="0" noProof="0">
+                <a:endParaRPr kumimoji="0" lang="en-US" sz="1345" b="0" i="0" u="none" strike="noStrike" kern="0" cap="none" spc="0" normalizeH="0" baseline="0" noProof="0" dirty="0">
                   <a:ln>
                     <a:noFill/>
                   </a:ln>
@@ -22295,7 +21911,7 @@
                     <a:defRPr/>
                   </a:pPr>
                   <a:r>
-                    <a:rPr kumimoji="0" lang="en-US" sz="1400" b="0" i="0" u="none" strike="noStrike" kern="1200" cap="none" spc="0" normalizeH="0" baseline="0" noProof="0">
+                    <a:rPr kumimoji="0" lang="en-US" sz="1400" b="0" i="0" u="none" strike="noStrike" kern="1200" cap="none" spc="0" normalizeH="0" baseline="0" noProof="0" dirty="0">
                       <a:ln>
                         <a:noFill/>
                       </a:ln>
@@ -22414,7 +22030,7 @@
                     <a:defRPr/>
                   </a:pPr>
                   <a:r>
-                    <a:rPr kumimoji="0" lang="en-US" sz="1400" b="0" i="0" u="none" strike="noStrike" kern="1200" cap="none" spc="0" normalizeH="0" baseline="0" noProof="0">
+                    <a:rPr kumimoji="0" lang="en-US" sz="1400" b="0" i="0" u="none" strike="noStrike" kern="1200" cap="none" spc="0" normalizeH="0" baseline="0" noProof="0" dirty="0">
                       <a:ln>
                         <a:noFill/>
                       </a:ln>
@@ -22533,7 +22149,7 @@
                     <a:defRPr/>
                   </a:pPr>
                   <a:r>
-                    <a:rPr kumimoji="0" lang="en-US" sz="1800" b="0" i="0" u="none" strike="noStrike" kern="1200" cap="none" spc="0" normalizeH="0" baseline="0" noProof="0">
+                    <a:rPr kumimoji="0" lang="en-US" sz="1800" b="0" i="0" u="none" strike="noStrike" kern="1200" cap="none" spc="0" normalizeH="0" baseline="0" noProof="0" dirty="0">
                       <a:ln>
                         <a:noFill/>
                       </a:ln>
@@ -29547,16 +29163,12 @@
               </a:spcAft>
             </a:pPr>
             <a:r>
-              <a:rPr lang="en-US" sz="2000" dirty="0" err="1">
+              <a:rPr lang="en-US" sz="2000" dirty="0">
                 <a:latin typeface="Segoe UI Semilight" panose="020B0402040204020203" pitchFamily="34" charset="0"/>
                 <a:cs typeface="Segoe UI Semilight" panose="020B0402040204020203" pitchFamily="34" charset="0"/>
               </a:rPr>
               <a:t>Cloudyn</a:t>
             </a:r>
-            <a:endParaRPr lang="en-US" sz="2000" dirty="0">
-              <a:latin typeface="Segoe UI Semilight" panose="020B0402040204020203" pitchFamily="34" charset="0"/>
-              <a:cs typeface="Segoe UI Semilight" panose="020B0402040204020203" pitchFamily="34" charset="0"/>
-            </a:endParaRPr>
           </a:p>
           <a:p>
             <a:pPr marL="914400" lvl="1" indent="-285750">
@@ -33192,18 +32804,9 @@
           </a:p>
           <a:p>
             <a:r>
-              <a:rPr lang="en-US" sz="2400" dirty="0" err="1"/>
-              <a:t>ReadOnly</a:t>
-            </a:r>
-            <a:r>
               <a:rPr lang="en-US" sz="2400" dirty="0"/>
-              <a:t> or </a:t>
-            </a:r>
-            <a:r>
-              <a:rPr lang="en-US" sz="2400" dirty="0" err="1"/>
-              <a:t>DoNotDelete</a:t>
-            </a:r>
-            <a:endParaRPr lang="en-US" sz="2400" dirty="0"/>
+              <a:t>ReadOnly or DoNotDelete</a:t>
+            </a:r>
           </a:p>
           <a:p>
             <a:r>
@@ -33484,18 +33087,9 @@
           </a:p>
           <a:p>
             <a:r>
-              <a:rPr lang="en-US" sz="2800" dirty="0" err="1"/>
-              <a:t>ReadOnly</a:t>
-            </a:r>
-            <a:r>
               <a:rPr lang="en-US" sz="2800" dirty="0"/>
-              <a:t> or </a:t>
-            </a:r>
-            <a:r>
-              <a:rPr lang="en-US" sz="2800" dirty="0" err="1"/>
-              <a:t>DoNotDelete</a:t>
-            </a:r>
-            <a:endParaRPr lang="en-US" sz="2800" dirty="0"/>
+              <a:t>ReadOnly or DoNotDelete</a:t>
+            </a:r>
           </a:p>
           <a:p>
             <a:r>
@@ -34352,7 +33946,7 @@
                   <a:tabLst/>
                   <a:defRPr/>
                 </a:pPr>
-                <a:endParaRPr kumimoji="0" lang="en-US" sz="1345" b="0" i="0" u="none" strike="noStrike" kern="0" cap="none" spc="0" normalizeH="0" baseline="0" noProof="0">
+                <a:endParaRPr kumimoji="0" lang="en-US" sz="1345" b="0" i="0" u="none" strike="noStrike" kern="0" cap="none" spc="0" normalizeH="0" baseline="0" noProof="0" dirty="0">
                   <a:ln>
                     <a:noFill/>
                   </a:ln>
@@ -34433,7 +34027,7 @@
                   <a:defRPr/>
                 </a:pPr>
                 <a:r>
-                  <a:rPr kumimoji="0" lang="en-US" sz="1345" b="0" i="0" u="none" strike="noStrike" kern="0" cap="none" spc="0" normalizeH="0" baseline="0" noProof="0">
+                  <a:rPr kumimoji="0" lang="en-US" sz="1345" b="0" i="0" u="none" strike="noStrike" kern="0" cap="none" spc="0" normalizeH="0" baseline="0" noProof="0" dirty="0">
                     <a:ln>
                       <a:noFill/>
                     </a:ln>
@@ -34536,7 +34130,7 @@
                   <a:tabLst/>
                   <a:defRPr/>
                 </a:pPr>
-                <a:endParaRPr kumimoji="0" lang="en-US" sz="1345" b="0" i="0" u="none" strike="noStrike" kern="0" cap="none" spc="0" normalizeH="0" baseline="0" noProof="0">
+                <a:endParaRPr kumimoji="0" lang="en-US" sz="1345" b="0" i="0" u="none" strike="noStrike" kern="0" cap="none" spc="0" normalizeH="0" baseline="0" noProof="0" dirty="0">
                   <a:ln>
                     <a:noFill/>
                   </a:ln>
@@ -34720,7 +34314,7 @@
                   <a:tabLst/>
                   <a:defRPr/>
                 </a:pPr>
-                <a:endParaRPr kumimoji="0" lang="en-US" sz="1345" b="0" i="0" u="none" strike="noStrike" kern="0" cap="none" spc="0" normalizeH="0" baseline="0" noProof="0">
+                <a:endParaRPr kumimoji="0" lang="en-US" sz="1345" b="0" i="0" u="none" strike="noStrike" kern="0" cap="none" spc="0" normalizeH="0" baseline="0" noProof="0" dirty="0">
                   <a:ln>
                     <a:noFill/>
                   </a:ln>
@@ -35221,7 +34815,7 @@
                     <a:defRPr/>
                   </a:pPr>
                   <a:r>
-                    <a:rPr kumimoji="0" lang="en-US" sz="1400" b="0" i="0" u="none" strike="noStrike" kern="1200" cap="none" spc="0" normalizeH="0" baseline="0" noProof="0">
+                    <a:rPr kumimoji="0" lang="en-US" sz="1400" b="0" i="0" u="none" strike="noStrike" kern="1200" cap="none" spc="0" normalizeH="0" baseline="0" noProof="0" dirty="0">
                       <a:ln>
                         <a:noFill/>
                       </a:ln>
@@ -35340,7 +34934,7 @@
                     <a:defRPr/>
                   </a:pPr>
                   <a:r>
-                    <a:rPr kumimoji="0" lang="en-US" sz="1400" b="0" i="0" u="none" strike="noStrike" kern="1200" cap="none" spc="0" normalizeH="0" baseline="0" noProof="0">
+                    <a:rPr kumimoji="0" lang="en-US" sz="1400" b="0" i="0" u="none" strike="noStrike" kern="1200" cap="none" spc="0" normalizeH="0" baseline="0" noProof="0" dirty="0">
                       <a:ln>
                         <a:noFill/>
                       </a:ln>
@@ -35459,7 +35053,7 @@
                     <a:defRPr/>
                   </a:pPr>
                   <a:r>
-                    <a:rPr kumimoji="0" lang="en-US" sz="1800" b="0" i="0" u="none" strike="noStrike" kern="1200" cap="none" spc="0" normalizeH="0" baseline="0" noProof="0">
+                    <a:rPr kumimoji="0" lang="en-US" sz="1800" b="0" i="0" u="none" strike="noStrike" kern="1200" cap="none" spc="0" normalizeH="0" baseline="0" noProof="0" dirty="0">
                       <a:ln>
                         <a:noFill/>
                       </a:ln>
@@ -36192,25 +35786,7 @@
                 </a:solidFill>
                 <a:latin typeface="+mn-lt"/>
               </a:rPr>
-              <a:t>Azure subscriptions should be grouped into a management group hierarchy. The root of this hierarchy is the tenant root management group. Under this root, a tree of </a:t>
-            </a:r>
-            <a:r>
-              <a:rPr lang="en-US" sz="2000" dirty="0" err="1">
-                <a:solidFill>
-                  <a:schemeClr val="tx1"/>
-                </a:solidFill>
-                <a:latin typeface="+mn-lt"/>
-              </a:rPr>
-              <a:t>managemnet</a:t>
-            </a:r>
-            <a:r>
-              <a:rPr lang="en-US" sz="2000" dirty="0">
-                <a:solidFill>
-                  <a:schemeClr val="tx1"/>
-                </a:solidFill>
-                <a:latin typeface="+mn-lt"/>
-              </a:rPr>
-              <a:t> groups can be implemented to represent the business units and subunits within the organization. Each Azure subscription is then assigned to a management group node within this tree.</a:t>
+              <a:t>Azure subscriptions should be grouped into a management group hierarchy. The root of this hierarchy is the tenant root management group. Under this root, a tree of management groups can be implemented to represent the business units and subunits within the organization. Each Azure subscription is then assigned to a management group node within this tree.</a:t>
             </a:r>
           </a:p>
           <a:p>

--- a/Whiteboard design session/WDS trainer presentation - Enterprise-ready cloud.pptx
+++ b/Whiteboard design session/WDS trainer presentation - Enterprise-ready cloud.pptx
@@ -240,7 +240,7 @@
           <a:p>
             <a:fld id="{52A13B17-C506-4D51-BB37-16B365906619}" type="datetimeFigureOut">
               <a:rPr lang="en-US" smtClean="0"/>
-              <a:t>4/2/20</a:t>
+              <a:t>6/4/20</a:t>
             </a:fld>
             <a:endParaRPr lang="en-US" dirty="0"/>
           </a:p>
@@ -618,11 +618,18 @@
           </a:p>
           <a:p>
             <a:r>
-              <a:rPr lang="en-US" sz="950">
+              <a:rPr lang="en-US" sz="950" dirty="0">
                 <a:latin typeface="+mn-lt"/>
                 <a:cs typeface="Segoe UI" panose="020B0502040204020203" pitchFamily="34" charset="0"/>
               </a:rPr>
-              <a:t>March 2020</a:t>
+              <a:t>June 2020 - no updates </a:t>
+            </a:r>
+            <a:r>
+              <a:rPr lang="en-US" sz="950">
+                <a:latin typeface="+mn-lt"/>
+                <a:cs typeface="Segoe UI" panose="020B0502040204020203" pitchFamily="34" charset="0"/>
+              </a:rPr>
+              <a:t>to this deck</a:t>
             </a:r>
             <a:endParaRPr lang="en-US" sz="950" dirty="0">
               <a:latin typeface="+mn-lt"/>
@@ -6270,7 +6277,7 @@
                   <a:prstClr val="black"/>
                 </a:solidFill>
               </a:rPr>
-              <a:t>4/2/20 3:02 PM</a:t>
+              <a:t>6/4/20 2:37 PM</a:t>
             </a:fld>
             <a:endParaRPr lang="en-US" dirty="0">
               <a:solidFill>
